--- a/FSMs.pptx
+++ b/FSMs.pptx
@@ -7,6 +7,7 @@
   <p:sldIdLst>
     <p:sldId id="256" r:id="rId2"/>
     <p:sldId id="257" r:id="rId3"/>
+    <p:sldId id="258" r:id="rId4"/>
   </p:sldIdLst>
   <p:sldSz cx="12192000" cy="6858000"/>
   <p:notesSz cx="6858000" cy="9144000"/>
@@ -105,6 +106,11 @@
       </a:defRPr>
     </a:lvl9pPr>
   </p:defaultTextStyle>
+  <p:extLst>
+    <p:ext uri="{EFAFB233-063F-42B5-8137-9DF3F51BA10A}">
+      <p15:sldGuideLst xmlns:p15="http://schemas.microsoft.com/office/powerpoint/2012/main"/>
+    </p:ext>
+  </p:extLst>
 </p:presentation>
 </file>
 
@@ -5528,6 +5534,2006 @@
 </p:sld>
 </file>
 
+<file path=ppt/slides/slide3.xml><?xml version="1.0" encoding="utf-8"?>
+<p:sld xmlns:a="http://schemas.openxmlformats.org/drawingml/2006/main" xmlns:r="http://schemas.openxmlformats.org/officeDocument/2006/relationships" xmlns:p="http://schemas.openxmlformats.org/presentationml/2006/main">
+  <p:cSld>
+    <p:spTree>
+      <p:nvGrpSpPr>
+        <p:cNvPr id="1" name=""/>
+        <p:cNvGrpSpPr/>
+        <p:nvPr/>
+      </p:nvGrpSpPr>
+      <p:grpSpPr>
+        <a:xfrm>
+          <a:off x="0" y="0"/>
+          <a:ext cx="0" cy="0"/>
+          <a:chOff x="0" y="0"/>
+          <a:chExt cx="0" cy="0"/>
+        </a:xfrm>
+      </p:grpSpPr>
+      <p:sp>
+        <p:nvSpPr>
+          <p:cNvPr id="20" name="Rounded Rectangle 19"/>
+          <p:cNvSpPr/>
+          <p:nvPr/>
+        </p:nvSpPr>
+        <p:spPr>
+          <a:xfrm>
+            <a:off x="2290271" y="358924"/>
+            <a:ext cx="1897166" cy="888762"/>
+          </a:xfrm>
+          <a:prstGeom prst="roundRect">
+            <a:avLst/>
+          </a:prstGeom>
+          <a:noFill/>
+          <a:ln w="28575">
+            <a:solidFill>
+              <a:schemeClr val="tx1"/>
+            </a:solidFill>
+          </a:ln>
+        </p:spPr>
+        <p:style>
+          <a:lnRef idx="2">
+            <a:schemeClr val="accent1">
+              <a:shade val="50000"/>
+            </a:schemeClr>
+          </a:lnRef>
+          <a:fillRef idx="1">
+            <a:schemeClr val="accent1"/>
+          </a:fillRef>
+          <a:effectRef idx="0">
+            <a:schemeClr val="accent1"/>
+          </a:effectRef>
+          <a:fontRef idx="minor">
+            <a:schemeClr val="lt1"/>
+          </a:fontRef>
+        </p:style>
+        <p:txBody>
+          <a:bodyPr rtlCol="0" anchor="ctr"/>
+          <a:lstStyle/>
+          <a:p>
+            <a:pPr algn="ctr"/>
+            <a:endParaRPr lang="en-NZ"/>
+          </a:p>
+        </p:txBody>
+      </p:sp>
+      <p:sp>
+        <p:nvSpPr>
+          <p:cNvPr id="22" name="Diamond 21"/>
+          <p:cNvSpPr/>
+          <p:nvPr/>
+        </p:nvSpPr>
+        <p:spPr>
+          <a:xfrm>
+            <a:off x="2563736" y="1632247"/>
+            <a:ext cx="1350236" cy="1350236"/>
+          </a:xfrm>
+          <a:prstGeom prst="diamond">
+            <a:avLst/>
+          </a:prstGeom>
+          <a:noFill/>
+          <a:ln w="28575">
+            <a:solidFill>
+              <a:schemeClr val="tx1"/>
+            </a:solidFill>
+          </a:ln>
+        </p:spPr>
+        <p:style>
+          <a:lnRef idx="2">
+            <a:schemeClr val="accent1">
+              <a:shade val="50000"/>
+            </a:schemeClr>
+          </a:lnRef>
+          <a:fillRef idx="1">
+            <a:schemeClr val="accent1"/>
+          </a:fillRef>
+          <a:effectRef idx="0">
+            <a:schemeClr val="accent1"/>
+          </a:effectRef>
+          <a:fontRef idx="minor">
+            <a:schemeClr val="lt1"/>
+          </a:fontRef>
+        </p:style>
+        <p:txBody>
+          <a:bodyPr rtlCol="0" anchor="ctr"/>
+          <a:lstStyle/>
+          <a:p>
+            <a:pPr algn="ctr"/>
+            <a:endParaRPr lang="en-NZ"/>
+          </a:p>
+        </p:txBody>
+      </p:sp>
+      <p:sp>
+        <p:nvSpPr>
+          <p:cNvPr id="23" name="Diamond 22"/>
+          <p:cNvSpPr/>
+          <p:nvPr/>
+        </p:nvSpPr>
+        <p:spPr>
+          <a:xfrm>
+            <a:off x="2563736" y="3367044"/>
+            <a:ext cx="1350236" cy="1350236"/>
+          </a:xfrm>
+          <a:prstGeom prst="diamond">
+            <a:avLst/>
+          </a:prstGeom>
+          <a:noFill/>
+          <a:ln w="28575">
+            <a:solidFill>
+              <a:schemeClr val="tx1"/>
+            </a:solidFill>
+          </a:ln>
+        </p:spPr>
+        <p:style>
+          <a:lnRef idx="2">
+            <a:schemeClr val="accent1">
+              <a:shade val="50000"/>
+            </a:schemeClr>
+          </a:lnRef>
+          <a:fillRef idx="1">
+            <a:schemeClr val="accent1"/>
+          </a:fillRef>
+          <a:effectRef idx="0">
+            <a:schemeClr val="accent1"/>
+          </a:effectRef>
+          <a:fontRef idx="minor">
+            <a:schemeClr val="lt1"/>
+          </a:fontRef>
+        </p:style>
+        <p:txBody>
+          <a:bodyPr rtlCol="0" anchor="ctr"/>
+          <a:lstStyle/>
+          <a:p>
+            <a:pPr algn="ctr"/>
+            <a:endParaRPr lang="en-NZ"/>
+          </a:p>
+        </p:txBody>
+      </p:sp>
+      <p:sp>
+        <p:nvSpPr>
+          <p:cNvPr id="24" name="Diamond 23"/>
+          <p:cNvSpPr/>
+          <p:nvPr/>
+        </p:nvSpPr>
+        <p:spPr>
+          <a:xfrm>
+            <a:off x="2563736" y="5101841"/>
+            <a:ext cx="1350236" cy="1350236"/>
+          </a:xfrm>
+          <a:prstGeom prst="diamond">
+            <a:avLst/>
+          </a:prstGeom>
+          <a:noFill/>
+          <a:ln w="28575">
+            <a:solidFill>
+              <a:schemeClr val="tx1"/>
+            </a:solidFill>
+          </a:ln>
+        </p:spPr>
+        <p:style>
+          <a:lnRef idx="2">
+            <a:schemeClr val="accent1">
+              <a:shade val="50000"/>
+            </a:schemeClr>
+          </a:lnRef>
+          <a:fillRef idx="1">
+            <a:schemeClr val="accent1"/>
+          </a:fillRef>
+          <a:effectRef idx="0">
+            <a:schemeClr val="accent1"/>
+          </a:effectRef>
+          <a:fontRef idx="minor">
+            <a:schemeClr val="lt1"/>
+          </a:fontRef>
+        </p:style>
+        <p:txBody>
+          <a:bodyPr rtlCol="0" anchor="ctr"/>
+          <a:lstStyle/>
+          <a:p>
+            <a:pPr algn="ctr"/>
+            <a:endParaRPr lang="en-NZ"/>
+          </a:p>
+        </p:txBody>
+      </p:sp>
+      <p:cxnSp>
+        <p:nvCxnSpPr>
+          <p:cNvPr id="26" name="Straight Arrow Connector 25"/>
+          <p:cNvCxnSpPr>
+            <a:stCxn id="20" idx="2"/>
+            <a:endCxn id="22" idx="0"/>
+          </p:cNvCxnSpPr>
+          <p:nvPr/>
+        </p:nvCxnSpPr>
+        <p:spPr>
+          <a:xfrm>
+            <a:off x="3238854" y="1247686"/>
+            <a:ext cx="0" cy="384561"/>
+          </a:xfrm>
+          <a:prstGeom prst="straightConnector1">
+            <a:avLst/>
+          </a:prstGeom>
+          <a:ln w="28575">
+            <a:solidFill>
+              <a:schemeClr val="tx1"/>
+            </a:solidFill>
+            <a:tailEnd type="triangle"/>
+          </a:ln>
+        </p:spPr>
+        <p:style>
+          <a:lnRef idx="1">
+            <a:schemeClr val="accent1"/>
+          </a:lnRef>
+          <a:fillRef idx="0">
+            <a:schemeClr val="accent1"/>
+          </a:fillRef>
+          <a:effectRef idx="0">
+            <a:schemeClr val="accent1"/>
+          </a:effectRef>
+          <a:fontRef idx="minor">
+            <a:schemeClr val="tx1"/>
+          </a:fontRef>
+        </p:style>
+      </p:cxnSp>
+      <p:cxnSp>
+        <p:nvCxnSpPr>
+          <p:cNvPr id="27" name="Straight Arrow Connector 26"/>
+          <p:cNvCxnSpPr/>
+          <p:nvPr/>
+        </p:nvCxnSpPr>
+        <p:spPr>
+          <a:xfrm>
+            <a:off x="3238854" y="2982483"/>
+            <a:ext cx="0" cy="384561"/>
+          </a:xfrm>
+          <a:prstGeom prst="straightConnector1">
+            <a:avLst/>
+          </a:prstGeom>
+          <a:ln w="28575">
+            <a:solidFill>
+              <a:schemeClr val="tx1"/>
+            </a:solidFill>
+            <a:tailEnd type="triangle"/>
+          </a:ln>
+        </p:spPr>
+        <p:style>
+          <a:lnRef idx="1">
+            <a:schemeClr val="accent1"/>
+          </a:lnRef>
+          <a:fillRef idx="0">
+            <a:schemeClr val="accent1"/>
+          </a:fillRef>
+          <a:effectRef idx="0">
+            <a:schemeClr val="accent1"/>
+          </a:effectRef>
+          <a:fontRef idx="minor">
+            <a:schemeClr val="tx1"/>
+          </a:fontRef>
+        </p:style>
+      </p:cxnSp>
+      <p:cxnSp>
+        <p:nvCxnSpPr>
+          <p:cNvPr id="28" name="Straight Arrow Connector 27"/>
+          <p:cNvCxnSpPr/>
+          <p:nvPr/>
+        </p:nvCxnSpPr>
+        <p:spPr>
+          <a:xfrm>
+            <a:off x="3238854" y="4717280"/>
+            <a:ext cx="0" cy="384561"/>
+          </a:xfrm>
+          <a:prstGeom prst="straightConnector1">
+            <a:avLst/>
+          </a:prstGeom>
+          <a:ln w="28575">
+            <a:solidFill>
+              <a:schemeClr val="tx1"/>
+            </a:solidFill>
+            <a:tailEnd type="triangle"/>
+          </a:ln>
+        </p:spPr>
+        <p:style>
+          <a:lnRef idx="1">
+            <a:schemeClr val="accent1"/>
+          </a:lnRef>
+          <a:fillRef idx="0">
+            <a:schemeClr val="accent1"/>
+          </a:fillRef>
+          <a:effectRef idx="0">
+            <a:schemeClr val="accent1"/>
+          </a:effectRef>
+          <a:fontRef idx="minor">
+            <a:schemeClr val="tx1"/>
+          </a:fontRef>
+        </p:style>
+      </p:cxnSp>
+      <p:sp>
+        <p:nvSpPr>
+          <p:cNvPr id="29" name="Rectangle 28"/>
+          <p:cNvSpPr/>
+          <p:nvPr/>
+        </p:nvSpPr>
+        <p:spPr>
+          <a:xfrm>
+            <a:off x="4495087" y="1837346"/>
+            <a:ext cx="1529697" cy="940038"/>
+          </a:xfrm>
+          <a:prstGeom prst="rect">
+            <a:avLst/>
+          </a:prstGeom>
+          <a:noFill/>
+          <a:ln w="28575">
+            <a:solidFill>
+              <a:schemeClr val="tx1"/>
+            </a:solidFill>
+          </a:ln>
+        </p:spPr>
+        <p:style>
+          <a:lnRef idx="2">
+            <a:schemeClr val="accent1">
+              <a:shade val="50000"/>
+            </a:schemeClr>
+          </a:lnRef>
+          <a:fillRef idx="1">
+            <a:schemeClr val="accent1"/>
+          </a:fillRef>
+          <a:effectRef idx="0">
+            <a:schemeClr val="accent1"/>
+          </a:effectRef>
+          <a:fontRef idx="minor">
+            <a:schemeClr val="lt1"/>
+          </a:fontRef>
+        </p:style>
+        <p:txBody>
+          <a:bodyPr rtlCol="0" anchor="ctr"/>
+          <a:lstStyle/>
+          <a:p>
+            <a:pPr algn="ctr"/>
+            <a:endParaRPr lang="en-NZ"/>
+          </a:p>
+        </p:txBody>
+      </p:sp>
+      <p:sp>
+        <p:nvSpPr>
+          <p:cNvPr id="30" name="Rectangle 29"/>
+          <p:cNvSpPr/>
+          <p:nvPr/>
+        </p:nvSpPr>
+        <p:spPr>
+          <a:xfrm>
+            <a:off x="4495086" y="3572143"/>
+            <a:ext cx="1529697" cy="940038"/>
+          </a:xfrm>
+          <a:prstGeom prst="rect">
+            <a:avLst/>
+          </a:prstGeom>
+          <a:noFill/>
+          <a:ln w="28575">
+            <a:solidFill>
+              <a:schemeClr val="tx1"/>
+            </a:solidFill>
+          </a:ln>
+        </p:spPr>
+        <p:style>
+          <a:lnRef idx="2">
+            <a:schemeClr val="accent1">
+              <a:shade val="50000"/>
+            </a:schemeClr>
+          </a:lnRef>
+          <a:fillRef idx="1">
+            <a:schemeClr val="accent1"/>
+          </a:fillRef>
+          <a:effectRef idx="0">
+            <a:schemeClr val="accent1"/>
+          </a:effectRef>
+          <a:fontRef idx="minor">
+            <a:schemeClr val="lt1"/>
+          </a:fontRef>
+        </p:style>
+        <p:txBody>
+          <a:bodyPr rtlCol="0" anchor="ctr"/>
+          <a:lstStyle/>
+          <a:p>
+            <a:pPr algn="ctr"/>
+            <a:endParaRPr lang="en-NZ"/>
+          </a:p>
+        </p:txBody>
+      </p:sp>
+      <p:sp>
+        <p:nvSpPr>
+          <p:cNvPr id="31" name="Rectangle 30"/>
+          <p:cNvSpPr/>
+          <p:nvPr/>
+        </p:nvSpPr>
+        <p:spPr>
+          <a:xfrm>
+            <a:off x="4495086" y="5306940"/>
+            <a:ext cx="1529697" cy="940038"/>
+          </a:xfrm>
+          <a:prstGeom prst="rect">
+            <a:avLst/>
+          </a:prstGeom>
+          <a:noFill/>
+          <a:ln w="28575">
+            <a:solidFill>
+              <a:schemeClr val="tx1"/>
+            </a:solidFill>
+          </a:ln>
+        </p:spPr>
+        <p:style>
+          <a:lnRef idx="2">
+            <a:schemeClr val="accent1">
+              <a:shade val="50000"/>
+            </a:schemeClr>
+          </a:lnRef>
+          <a:fillRef idx="1">
+            <a:schemeClr val="accent1"/>
+          </a:fillRef>
+          <a:effectRef idx="0">
+            <a:schemeClr val="accent1"/>
+          </a:effectRef>
+          <a:fontRef idx="minor">
+            <a:schemeClr val="lt1"/>
+          </a:fontRef>
+        </p:style>
+        <p:txBody>
+          <a:bodyPr rtlCol="0" anchor="ctr"/>
+          <a:lstStyle/>
+          <a:p>
+            <a:pPr algn="ctr"/>
+            <a:endParaRPr lang="en-NZ"/>
+          </a:p>
+        </p:txBody>
+      </p:sp>
+      <p:cxnSp>
+        <p:nvCxnSpPr>
+          <p:cNvPr id="34" name="Straight Arrow Connector 33"/>
+          <p:cNvCxnSpPr>
+            <a:stCxn id="22" idx="3"/>
+            <a:endCxn id="29" idx="1"/>
+          </p:cNvCxnSpPr>
+          <p:nvPr/>
+        </p:nvCxnSpPr>
+        <p:spPr>
+          <a:xfrm>
+            <a:off x="3913972" y="2307365"/>
+            <a:ext cx="581115" cy="0"/>
+          </a:xfrm>
+          <a:prstGeom prst="straightConnector1">
+            <a:avLst/>
+          </a:prstGeom>
+          <a:ln w="28575">
+            <a:solidFill>
+              <a:schemeClr val="tx1"/>
+            </a:solidFill>
+            <a:tailEnd type="triangle"/>
+          </a:ln>
+        </p:spPr>
+        <p:style>
+          <a:lnRef idx="1">
+            <a:schemeClr val="accent1"/>
+          </a:lnRef>
+          <a:fillRef idx="0">
+            <a:schemeClr val="accent1"/>
+          </a:fillRef>
+          <a:effectRef idx="0">
+            <a:schemeClr val="accent1"/>
+          </a:effectRef>
+          <a:fontRef idx="minor">
+            <a:schemeClr val="tx1"/>
+          </a:fontRef>
+        </p:style>
+      </p:cxnSp>
+      <p:cxnSp>
+        <p:nvCxnSpPr>
+          <p:cNvPr id="35" name="Straight Arrow Connector 34"/>
+          <p:cNvCxnSpPr/>
+          <p:nvPr/>
+        </p:nvCxnSpPr>
+        <p:spPr>
+          <a:xfrm>
+            <a:off x="3913971" y="4042162"/>
+            <a:ext cx="581115" cy="0"/>
+          </a:xfrm>
+          <a:prstGeom prst="straightConnector1">
+            <a:avLst/>
+          </a:prstGeom>
+          <a:ln w="28575">
+            <a:solidFill>
+              <a:schemeClr val="tx1"/>
+            </a:solidFill>
+            <a:tailEnd type="triangle"/>
+          </a:ln>
+        </p:spPr>
+        <p:style>
+          <a:lnRef idx="1">
+            <a:schemeClr val="accent1"/>
+          </a:lnRef>
+          <a:fillRef idx="0">
+            <a:schemeClr val="accent1"/>
+          </a:fillRef>
+          <a:effectRef idx="0">
+            <a:schemeClr val="accent1"/>
+          </a:effectRef>
+          <a:fontRef idx="minor">
+            <a:schemeClr val="tx1"/>
+          </a:fontRef>
+        </p:style>
+      </p:cxnSp>
+      <p:cxnSp>
+        <p:nvCxnSpPr>
+          <p:cNvPr id="36" name="Straight Arrow Connector 35"/>
+          <p:cNvCxnSpPr/>
+          <p:nvPr/>
+        </p:nvCxnSpPr>
+        <p:spPr>
+          <a:xfrm>
+            <a:off x="3913971" y="5776959"/>
+            <a:ext cx="581115" cy="0"/>
+          </a:xfrm>
+          <a:prstGeom prst="straightConnector1">
+            <a:avLst/>
+          </a:prstGeom>
+          <a:ln w="28575">
+            <a:solidFill>
+              <a:schemeClr val="tx1"/>
+            </a:solidFill>
+            <a:tailEnd type="triangle"/>
+          </a:ln>
+        </p:spPr>
+        <p:style>
+          <a:lnRef idx="1">
+            <a:schemeClr val="accent1"/>
+          </a:lnRef>
+          <a:fillRef idx="0">
+            <a:schemeClr val="accent1"/>
+          </a:fillRef>
+          <a:effectRef idx="0">
+            <a:schemeClr val="accent1"/>
+          </a:effectRef>
+          <a:fontRef idx="minor">
+            <a:schemeClr val="tx1"/>
+          </a:fontRef>
+        </p:style>
+      </p:cxnSp>
+      <p:sp>
+        <p:nvSpPr>
+          <p:cNvPr id="40" name="TextBox 39"/>
+          <p:cNvSpPr txBox="1"/>
+          <p:nvPr/>
+        </p:nvSpPr>
+        <p:spPr>
+          <a:xfrm>
+            <a:off x="2863302" y="612319"/>
+            <a:ext cx="751103" cy="369332"/>
+          </a:xfrm>
+          <a:prstGeom prst="rect">
+            <a:avLst/>
+          </a:prstGeom>
+          <a:noFill/>
+        </p:spPr>
+        <p:txBody>
+          <a:bodyPr wrap="none" rtlCol="0">
+            <a:spAutoFit/>
+          </a:bodyPr>
+          <a:lstStyle/>
+          <a:p>
+            <a:pPr algn="ctr"/>
+            <a:r>
+              <a:rPr lang="en-NZ" dirty="0" smtClean="0"/>
+              <a:t>START</a:t>
+            </a:r>
+            <a:endParaRPr lang="en-NZ" dirty="0"/>
+          </a:p>
+        </p:txBody>
+      </p:sp>
+      <p:sp>
+        <p:nvSpPr>
+          <p:cNvPr id="41" name="TextBox 40"/>
+          <p:cNvSpPr txBox="1"/>
+          <p:nvPr/>
+        </p:nvSpPr>
+        <p:spPr>
+          <a:xfrm>
+            <a:off x="2676840" y="2122699"/>
+            <a:ext cx="1124026" cy="369332"/>
+          </a:xfrm>
+          <a:prstGeom prst="rect">
+            <a:avLst/>
+          </a:prstGeom>
+          <a:noFill/>
+        </p:spPr>
+        <p:txBody>
+          <a:bodyPr wrap="none" rtlCol="0">
+            <a:spAutoFit/>
+          </a:bodyPr>
+          <a:lstStyle/>
+          <a:p>
+            <a:pPr algn="ctr"/>
+            <a:r>
+              <a:rPr lang="en-NZ" dirty="0" smtClean="0"/>
+              <a:t>ON or SET</a:t>
+            </a:r>
+            <a:endParaRPr lang="en-NZ" dirty="0"/>
+          </a:p>
+        </p:txBody>
+      </p:sp>
+      <p:sp>
+        <p:nvSpPr>
+          <p:cNvPr id="42" name="TextBox 41"/>
+          <p:cNvSpPr txBox="1"/>
+          <p:nvPr/>
+        </p:nvSpPr>
+        <p:spPr>
+          <a:xfrm>
+            <a:off x="2679972" y="3847526"/>
+            <a:ext cx="1213795" cy="369332"/>
+          </a:xfrm>
+          <a:prstGeom prst="rect">
+            <a:avLst/>
+          </a:prstGeom>
+          <a:noFill/>
+        </p:spPr>
+        <p:txBody>
+          <a:bodyPr wrap="none" rtlCol="0">
+            <a:spAutoFit/>
+          </a:bodyPr>
+          <a:lstStyle/>
+          <a:p>
+            <a:pPr algn="ctr"/>
+            <a:r>
+              <a:rPr lang="en-NZ" dirty="0" err="1" smtClean="0"/>
+              <a:t>QuickAccel</a:t>
+            </a:r>
+            <a:endParaRPr lang="en-NZ" dirty="0"/>
+          </a:p>
+        </p:txBody>
+      </p:sp>
+      <p:sp>
+        <p:nvSpPr>
+          <p:cNvPr id="43" name="TextBox 42"/>
+          <p:cNvSpPr txBox="1"/>
+          <p:nvPr/>
+        </p:nvSpPr>
+        <p:spPr>
+          <a:xfrm>
+            <a:off x="2666346" y="5602263"/>
+            <a:ext cx="1241045" cy="369332"/>
+          </a:xfrm>
+          <a:prstGeom prst="rect">
+            <a:avLst/>
+          </a:prstGeom>
+          <a:noFill/>
+        </p:spPr>
+        <p:txBody>
+          <a:bodyPr wrap="none" rtlCol="0">
+            <a:spAutoFit/>
+          </a:bodyPr>
+          <a:lstStyle/>
+          <a:p>
+            <a:pPr algn="ctr"/>
+            <a:r>
+              <a:rPr lang="en-NZ" dirty="0" err="1" smtClean="0"/>
+              <a:t>QuickDecel</a:t>
+            </a:r>
+            <a:endParaRPr lang="en-NZ" dirty="0"/>
+          </a:p>
+        </p:txBody>
+      </p:sp>
+      <p:sp>
+        <p:nvSpPr>
+          <p:cNvPr id="44" name="TextBox 43"/>
+          <p:cNvSpPr txBox="1"/>
+          <p:nvPr/>
+        </p:nvSpPr>
+        <p:spPr>
+          <a:xfrm>
+            <a:off x="4053686" y="1959268"/>
+            <a:ext cx="301686" cy="369332"/>
+          </a:xfrm>
+          <a:prstGeom prst="rect">
+            <a:avLst/>
+          </a:prstGeom>
+          <a:noFill/>
+        </p:spPr>
+        <p:txBody>
+          <a:bodyPr wrap="none" rtlCol="0">
+            <a:spAutoFit/>
+          </a:bodyPr>
+          <a:lstStyle/>
+          <a:p>
+            <a:pPr algn="ctr"/>
+            <a:r>
+              <a:rPr lang="en-NZ" dirty="0" smtClean="0"/>
+              <a:t>1</a:t>
+            </a:r>
+            <a:endParaRPr lang="en-NZ" dirty="0"/>
+          </a:p>
+        </p:txBody>
+      </p:sp>
+      <p:sp>
+        <p:nvSpPr>
+          <p:cNvPr id="45" name="TextBox 44"/>
+          <p:cNvSpPr txBox="1"/>
+          <p:nvPr/>
+        </p:nvSpPr>
+        <p:spPr>
+          <a:xfrm>
+            <a:off x="4053686" y="3694064"/>
+            <a:ext cx="301686" cy="369332"/>
+          </a:xfrm>
+          <a:prstGeom prst="rect">
+            <a:avLst/>
+          </a:prstGeom>
+          <a:noFill/>
+        </p:spPr>
+        <p:txBody>
+          <a:bodyPr wrap="none" rtlCol="0">
+            <a:spAutoFit/>
+          </a:bodyPr>
+          <a:lstStyle/>
+          <a:p>
+            <a:pPr algn="ctr"/>
+            <a:r>
+              <a:rPr lang="en-NZ" dirty="0" smtClean="0"/>
+              <a:t>1</a:t>
+            </a:r>
+            <a:endParaRPr lang="en-NZ" dirty="0"/>
+          </a:p>
+        </p:txBody>
+      </p:sp>
+      <p:sp>
+        <p:nvSpPr>
+          <p:cNvPr id="46" name="TextBox 45"/>
+          <p:cNvSpPr txBox="1"/>
+          <p:nvPr/>
+        </p:nvSpPr>
+        <p:spPr>
+          <a:xfrm>
+            <a:off x="4053686" y="5428860"/>
+            <a:ext cx="301686" cy="369332"/>
+          </a:xfrm>
+          <a:prstGeom prst="rect">
+            <a:avLst/>
+          </a:prstGeom>
+          <a:noFill/>
+        </p:spPr>
+        <p:txBody>
+          <a:bodyPr wrap="none" rtlCol="0">
+            <a:spAutoFit/>
+          </a:bodyPr>
+          <a:lstStyle/>
+          <a:p>
+            <a:pPr algn="ctr"/>
+            <a:r>
+              <a:rPr lang="en-NZ" dirty="0" smtClean="0"/>
+              <a:t>1</a:t>
+            </a:r>
+            <a:endParaRPr lang="en-NZ" dirty="0"/>
+          </a:p>
+        </p:txBody>
+      </p:sp>
+      <p:sp>
+        <p:nvSpPr>
+          <p:cNvPr id="48" name="TextBox 47"/>
+          <p:cNvSpPr txBox="1"/>
+          <p:nvPr/>
+        </p:nvSpPr>
+        <p:spPr>
+          <a:xfrm>
+            <a:off x="3238853" y="2972513"/>
+            <a:ext cx="301686" cy="369332"/>
+          </a:xfrm>
+          <a:prstGeom prst="rect">
+            <a:avLst/>
+          </a:prstGeom>
+          <a:noFill/>
+        </p:spPr>
+        <p:txBody>
+          <a:bodyPr wrap="none" rtlCol="0">
+            <a:spAutoFit/>
+          </a:bodyPr>
+          <a:lstStyle/>
+          <a:p>
+            <a:pPr algn="ctr"/>
+            <a:r>
+              <a:rPr lang="en-NZ" dirty="0"/>
+              <a:t>0</a:t>
+            </a:r>
+          </a:p>
+        </p:txBody>
+      </p:sp>
+      <p:sp>
+        <p:nvSpPr>
+          <p:cNvPr id="49" name="TextBox 48"/>
+          <p:cNvSpPr txBox="1"/>
+          <p:nvPr/>
+        </p:nvSpPr>
+        <p:spPr>
+          <a:xfrm>
+            <a:off x="3238853" y="4717280"/>
+            <a:ext cx="301686" cy="369332"/>
+          </a:xfrm>
+          <a:prstGeom prst="rect">
+            <a:avLst/>
+          </a:prstGeom>
+          <a:noFill/>
+        </p:spPr>
+        <p:txBody>
+          <a:bodyPr wrap="none" rtlCol="0">
+            <a:spAutoFit/>
+          </a:bodyPr>
+          <a:lstStyle/>
+          <a:p>
+            <a:pPr algn="ctr"/>
+            <a:r>
+              <a:rPr lang="en-NZ" dirty="0"/>
+              <a:t>0</a:t>
+            </a:r>
+          </a:p>
+        </p:txBody>
+      </p:sp>
+      <p:cxnSp>
+        <p:nvCxnSpPr>
+          <p:cNvPr id="51" name="Elbow Connector 50"/>
+          <p:cNvCxnSpPr>
+            <a:stCxn id="24" idx="2"/>
+          </p:cNvCxnSpPr>
+          <p:nvPr/>
+        </p:nvCxnSpPr>
+        <p:spPr>
+          <a:xfrm rot="5400000" flipH="1">
+            <a:off x="750789" y="3964012"/>
+            <a:ext cx="4950996" cy="25135"/>
+          </a:xfrm>
+          <a:prstGeom prst="bentConnector5">
+            <a:avLst>
+              <a:gd name="adj1" fmla="val -4617"/>
+              <a:gd name="adj2" fmla="val 4921786"/>
+              <a:gd name="adj3" fmla="val 99997"/>
+            </a:avLst>
+          </a:prstGeom>
+          <a:ln w="28575">
+            <a:solidFill>
+              <a:schemeClr val="tx1"/>
+            </a:solidFill>
+            <a:tailEnd type="triangle"/>
+          </a:ln>
+        </p:spPr>
+        <p:style>
+          <a:lnRef idx="1">
+            <a:schemeClr val="accent1"/>
+          </a:lnRef>
+          <a:fillRef idx="0">
+            <a:schemeClr val="accent1"/>
+          </a:fillRef>
+          <a:effectRef idx="0">
+            <a:schemeClr val="accent1"/>
+          </a:effectRef>
+          <a:fontRef idx="minor">
+            <a:schemeClr val="tx1"/>
+          </a:fontRef>
+        </p:style>
+      </p:cxnSp>
+      <p:sp>
+        <p:nvSpPr>
+          <p:cNvPr id="62" name="TextBox 61"/>
+          <p:cNvSpPr txBox="1"/>
+          <p:nvPr/>
+        </p:nvSpPr>
+        <p:spPr>
+          <a:xfrm>
+            <a:off x="3282940" y="6425087"/>
+            <a:ext cx="301686" cy="369332"/>
+          </a:xfrm>
+          <a:prstGeom prst="rect">
+            <a:avLst/>
+          </a:prstGeom>
+          <a:noFill/>
+        </p:spPr>
+        <p:txBody>
+          <a:bodyPr wrap="none" rtlCol="0">
+            <a:spAutoFit/>
+          </a:bodyPr>
+          <a:lstStyle/>
+          <a:p>
+            <a:pPr algn="ctr"/>
+            <a:r>
+              <a:rPr lang="en-NZ" dirty="0"/>
+              <a:t>0</a:t>
+            </a:r>
+          </a:p>
+        </p:txBody>
+      </p:sp>
+      <p:sp>
+        <p:nvSpPr>
+          <p:cNvPr id="63" name="TextBox 62"/>
+          <p:cNvSpPr txBox="1"/>
+          <p:nvPr/>
+        </p:nvSpPr>
+        <p:spPr>
+          <a:xfrm>
+            <a:off x="4227087" y="593804"/>
+            <a:ext cx="2065694" cy="369332"/>
+          </a:xfrm>
+          <a:prstGeom prst="rect">
+            <a:avLst/>
+          </a:prstGeom>
+          <a:noFill/>
+        </p:spPr>
+        <p:txBody>
+          <a:bodyPr wrap="none" rtlCol="0">
+            <a:spAutoFit/>
+          </a:bodyPr>
+          <a:lstStyle/>
+          <a:p>
+            <a:pPr algn="ctr"/>
+            <a:r>
+              <a:rPr lang="en-NZ" dirty="0"/>
+              <a:t>t</a:t>
+            </a:r>
+            <a:r>
+              <a:rPr lang="en-NZ" dirty="0" smtClean="0"/>
+              <a:t>emp = </a:t>
+            </a:r>
+            <a:r>
+              <a:rPr lang="en-NZ" dirty="0" err="1" smtClean="0"/>
+              <a:t>CruiseSpeed</a:t>
+            </a:r>
+            <a:endParaRPr lang="en-NZ" dirty="0"/>
+          </a:p>
+        </p:txBody>
+      </p:sp>
+      <p:sp>
+        <p:nvSpPr>
+          <p:cNvPr id="64" name="TextBox 63"/>
+          <p:cNvSpPr txBox="1"/>
+          <p:nvPr/>
+        </p:nvSpPr>
+        <p:spPr>
+          <a:xfrm>
+            <a:off x="4494853" y="1959268"/>
+            <a:ext cx="1530166" cy="646331"/>
+          </a:xfrm>
+          <a:prstGeom prst="rect">
+            <a:avLst/>
+          </a:prstGeom>
+          <a:noFill/>
+        </p:spPr>
+        <p:txBody>
+          <a:bodyPr wrap="square" rtlCol="0">
+            <a:spAutoFit/>
+          </a:bodyPr>
+          <a:lstStyle/>
+          <a:p>
+            <a:pPr algn="ctr"/>
+            <a:r>
+              <a:rPr lang="en-NZ" dirty="0"/>
+              <a:t>t</a:t>
+            </a:r>
+            <a:r>
+              <a:rPr lang="en-NZ" dirty="0" smtClean="0"/>
+              <a:t>emp = </a:t>
+            </a:r>
+            <a:r>
+              <a:rPr lang="en-NZ" dirty="0" err="1" smtClean="0"/>
+              <a:t>CurrentSpeed</a:t>
+            </a:r>
+            <a:endParaRPr lang="en-NZ" dirty="0"/>
+          </a:p>
+        </p:txBody>
+      </p:sp>
+      <p:sp>
+        <p:nvSpPr>
+          <p:cNvPr id="65" name="TextBox 64"/>
+          <p:cNvSpPr txBox="1"/>
+          <p:nvPr/>
+        </p:nvSpPr>
+        <p:spPr>
+          <a:xfrm>
+            <a:off x="4493662" y="3721263"/>
+            <a:ext cx="1530166" cy="646331"/>
+          </a:xfrm>
+          <a:prstGeom prst="rect">
+            <a:avLst/>
+          </a:prstGeom>
+          <a:noFill/>
+        </p:spPr>
+        <p:txBody>
+          <a:bodyPr wrap="square" rtlCol="0">
+            <a:spAutoFit/>
+          </a:bodyPr>
+          <a:lstStyle/>
+          <a:p>
+            <a:pPr algn="ctr"/>
+            <a:r>
+              <a:rPr lang="en-NZ" dirty="0"/>
+              <a:t>temp += </a:t>
+            </a:r>
+            <a:r>
+              <a:rPr lang="en-NZ" dirty="0" err="1"/>
+              <a:t>SpeedInc</a:t>
+            </a:r>
+            <a:endParaRPr lang="en-NZ" dirty="0"/>
+          </a:p>
+        </p:txBody>
+      </p:sp>
+      <p:sp>
+        <p:nvSpPr>
+          <p:cNvPr id="66" name="TextBox 65"/>
+          <p:cNvSpPr txBox="1"/>
+          <p:nvPr/>
+        </p:nvSpPr>
+        <p:spPr>
+          <a:xfrm>
+            <a:off x="4503230" y="5480780"/>
+            <a:ext cx="1530166" cy="646331"/>
+          </a:xfrm>
+          <a:prstGeom prst="rect">
+            <a:avLst/>
+          </a:prstGeom>
+          <a:noFill/>
+        </p:spPr>
+        <p:txBody>
+          <a:bodyPr wrap="square" rtlCol="0">
+            <a:spAutoFit/>
+          </a:bodyPr>
+          <a:lstStyle/>
+          <a:p>
+            <a:pPr algn="ctr"/>
+            <a:r>
+              <a:rPr lang="en-NZ" dirty="0"/>
+              <a:t>t</a:t>
+            </a:r>
+            <a:r>
+              <a:rPr lang="en-NZ" dirty="0" smtClean="0"/>
+              <a:t>emp -= </a:t>
+            </a:r>
+            <a:r>
+              <a:rPr lang="en-NZ" dirty="0" err="1" smtClean="0"/>
+              <a:t>SpeedInc</a:t>
+            </a:r>
+            <a:endParaRPr lang="en-NZ" dirty="0"/>
+          </a:p>
+        </p:txBody>
+      </p:sp>
+      <p:sp>
+        <p:nvSpPr>
+          <p:cNvPr id="68" name="Diamond 67"/>
+          <p:cNvSpPr/>
+          <p:nvPr/>
+        </p:nvSpPr>
+        <p:spPr>
+          <a:xfrm>
+            <a:off x="6906827" y="2416923"/>
+            <a:ext cx="1350236" cy="1350236"/>
+          </a:xfrm>
+          <a:prstGeom prst="diamond">
+            <a:avLst/>
+          </a:prstGeom>
+          <a:noFill/>
+          <a:ln w="28575">
+            <a:solidFill>
+              <a:schemeClr val="tx1"/>
+            </a:solidFill>
+          </a:ln>
+        </p:spPr>
+        <p:style>
+          <a:lnRef idx="2">
+            <a:schemeClr val="accent1">
+              <a:shade val="50000"/>
+            </a:schemeClr>
+          </a:lnRef>
+          <a:fillRef idx="1">
+            <a:schemeClr val="accent1"/>
+          </a:fillRef>
+          <a:effectRef idx="0">
+            <a:schemeClr val="accent1"/>
+          </a:effectRef>
+          <a:fontRef idx="minor">
+            <a:schemeClr val="lt1"/>
+          </a:fontRef>
+        </p:style>
+        <p:txBody>
+          <a:bodyPr rtlCol="0" anchor="ctr"/>
+          <a:lstStyle/>
+          <a:p>
+            <a:pPr algn="ctr"/>
+            <a:endParaRPr lang="en-NZ"/>
+          </a:p>
+        </p:txBody>
+      </p:sp>
+      <p:sp>
+        <p:nvSpPr>
+          <p:cNvPr id="69" name="Rectangle 68"/>
+          <p:cNvSpPr/>
+          <p:nvPr/>
+        </p:nvSpPr>
+        <p:spPr>
+          <a:xfrm>
+            <a:off x="6973066" y="2720713"/>
+            <a:ext cx="1217757" cy="646331"/>
+          </a:xfrm>
+          <a:prstGeom prst="rect">
+            <a:avLst/>
+          </a:prstGeom>
+        </p:spPr>
+        <p:txBody>
+          <a:bodyPr wrap="square">
+            <a:spAutoFit/>
+          </a:bodyPr>
+          <a:lstStyle/>
+          <a:p>
+            <a:pPr algn="ctr"/>
+            <a:r>
+              <a:rPr lang="en-NZ" dirty="0"/>
+              <a:t>temp </a:t>
+            </a:r>
+            <a:r>
+              <a:rPr lang="en-NZ" dirty="0" smtClean="0"/>
+              <a:t>&gt; </a:t>
+            </a:r>
+            <a:r>
+              <a:rPr lang="en-NZ" dirty="0" err="1" smtClean="0"/>
+              <a:t>SpeedMax</a:t>
+            </a:r>
+            <a:endParaRPr lang="en-NZ" dirty="0"/>
+          </a:p>
+        </p:txBody>
+      </p:sp>
+      <p:sp>
+        <p:nvSpPr>
+          <p:cNvPr id="70" name="Diamond 69"/>
+          <p:cNvSpPr/>
+          <p:nvPr/>
+        </p:nvSpPr>
+        <p:spPr>
+          <a:xfrm>
+            <a:off x="6900709" y="4216858"/>
+            <a:ext cx="1350236" cy="1350236"/>
+          </a:xfrm>
+          <a:prstGeom prst="diamond">
+            <a:avLst/>
+          </a:prstGeom>
+          <a:noFill/>
+          <a:ln w="28575">
+            <a:solidFill>
+              <a:schemeClr val="tx1"/>
+            </a:solidFill>
+          </a:ln>
+        </p:spPr>
+        <p:style>
+          <a:lnRef idx="2">
+            <a:schemeClr val="accent1">
+              <a:shade val="50000"/>
+            </a:schemeClr>
+          </a:lnRef>
+          <a:fillRef idx="1">
+            <a:schemeClr val="accent1"/>
+          </a:fillRef>
+          <a:effectRef idx="0">
+            <a:schemeClr val="accent1"/>
+          </a:effectRef>
+          <a:fontRef idx="minor">
+            <a:schemeClr val="lt1"/>
+          </a:fontRef>
+        </p:style>
+        <p:txBody>
+          <a:bodyPr rtlCol="0" anchor="ctr"/>
+          <a:lstStyle/>
+          <a:p>
+            <a:pPr algn="ctr"/>
+            <a:endParaRPr lang="en-NZ"/>
+          </a:p>
+        </p:txBody>
+      </p:sp>
+      <p:sp>
+        <p:nvSpPr>
+          <p:cNvPr id="71" name="Rectangle 70"/>
+          <p:cNvSpPr/>
+          <p:nvPr/>
+        </p:nvSpPr>
+        <p:spPr>
+          <a:xfrm>
+            <a:off x="6998239" y="4536784"/>
+            <a:ext cx="1217757" cy="646331"/>
+          </a:xfrm>
+          <a:prstGeom prst="rect">
+            <a:avLst/>
+          </a:prstGeom>
+        </p:spPr>
+        <p:txBody>
+          <a:bodyPr wrap="square">
+            <a:spAutoFit/>
+          </a:bodyPr>
+          <a:lstStyle/>
+          <a:p>
+            <a:pPr algn="ctr"/>
+            <a:r>
+              <a:rPr lang="en-NZ" dirty="0"/>
+              <a:t>temp &lt;</a:t>
+            </a:r>
+            <a:r>
+              <a:rPr lang="en-NZ" dirty="0" smtClean="0"/>
+              <a:t> </a:t>
+            </a:r>
+            <a:r>
+              <a:rPr lang="en-NZ" dirty="0" err="1" smtClean="0"/>
+              <a:t>SpeedMin</a:t>
+            </a:r>
+            <a:endParaRPr lang="en-NZ" dirty="0"/>
+          </a:p>
+        </p:txBody>
+      </p:sp>
+      <p:cxnSp>
+        <p:nvCxnSpPr>
+          <p:cNvPr id="73" name="Elbow Connector 72"/>
+          <p:cNvCxnSpPr>
+            <a:stCxn id="64" idx="3"/>
+            <a:endCxn id="68" idx="1"/>
+          </p:cNvCxnSpPr>
+          <p:nvPr/>
+        </p:nvCxnSpPr>
+        <p:spPr>
+          <a:xfrm>
+            <a:off x="6025019" y="2282434"/>
+            <a:ext cx="881808" cy="809607"/>
+          </a:xfrm>
+          <a:prstGeom prst="bentConnector3">
+            <a:avLst>
+              <a:gd name="adj1" fmla="val 50000"/>
+            </a:avLst>
+          </a:prstGeom>
+          <a:ln w="28575">
+            <a:solidFill>
+              <a:schemeClr val="tx1"/>
+            </a:solidFill>
+            <a:tailEnd type="triangle"/>
+          </a:ln>
+        </p:spPr>
+        <p:style>
+          <a:lnRef idx="1">
+            <a:schemeClr val="accent1"/>
+          </a:lnRef>
+          <a:fillRef idx="0">
+            <a:schemeClr val="accent1"/>
+          </a:fillRef>
+          <a:effectRef idx="0">
+            <a:schemeClr val="accent1"/>
+          </a:effectRef>
+          <a:fontRef idx="minor">
+            <a:schemeClr val="tx1"/>
+          </a:fontRef>
+        </p:style>
+      </p:cxnSp>
+      <p:cxnSp>
+        <p:nvCxnSpPr>
+          <p:cNvPr id="94" name="Elbow Connector 93"/>
+          <p:cNvCxnSpPr>
+            <a:stCxn id="30" idx="3"/>
+          </p:cNvCxnSpPr>
+          <p:nvPr/>
+        </p:nvCxnSpPr>
+        <p:spPr>
+          <a:xfrm flipV="1">
+            <a:off x="6024783" y="3092041"/>
+            <a:ext cx="441140" cy="950121"/>
+          </a:xfrm>
+          <a:prstGeom prst="bentConnector2">
+            <a:avLst/>
+          </a:prstGeom>
+          <a:ln w="28575">
+            <a:solidFill>
+              <a:schemeClr val="tx1"/>
+            </a:solidFill>
+            <a:tailEnd type="triangle"/>
+          </a:ln>
+        </p:spPr>
+        <p:style>
+          <a:lnRef idx="1">
+            <a:schemeClr val="accent1"/>
+          </a:lnRef>
+          <a:fillRef idx="0">
+            <a:schemeClr val="accent1"/>
+          </a:fillRef>
+          <a:effectRef idx="0">
+            <a:schemeClr val="accent1"/>
+          </a:effectRef>
+          <a:fontRef idx="minor">
+            <a:schemeClr val="tx1"/>
+          </a:fontRef>
+        </p:style>
+      </p:cxnSp>
+      <p:cxnSp>
+        <p:nvCxnSpPr>
+          <p:cNvPr id="98" name="Straight Arrow Connector 97"/>
+          <p:cNvCxnSpPr>
+            <a:stCxn id="68" idx="2"/>
+            <a:endCxn id="70" idx="0"/>
+          </p:cNvCxnSpPr>
+          <p:nvPr/>
+        </p:nvCxnSpPr>
+        <p:spPr>
+          <a:xfrm flipH="1">
+            <a:off x="7575827" y="3767159"/>
+            <a:ext cx="6118" cy="449699"/>
+          </a:xfrm>
+          <a:prstGeom prst="straightConnector1">
+            <a:avLst/>
+          </a:prstGeom>
+          <a:ln w="28575">
+            <a:solidFill>
+              <a:schemeClr val="tx1"/>
+            </a:solidFill>
+            <a:tailEnd type="triangle"/>
+          </a:ln>
+        </p:spPr>
+        <p:style>
+          <a:lnRef idx="1">
+            <a:schemeClr val="accent1"/>
+          </a:lnRef>
+          <a:fillRef idx="0">
+            <a:schemeClr val="accent1"/>
+          </a:fillRef>
+          <a:effectRef idx="0">
+            <a:schemeClr val="accent1"/>
+          </a:effectRef>
+          <a:fontRef idx="minor">
+            <a:schemeClr val="tx1"/>
+          </a:fontRef>
+        </p:style>
+      </p:cxnSp>
+      <p:cxnSp>
+        <p:nvCxnSpPr>
+          <p:cNvPr id="102" name="Elbow Connector 101"/>
+          <p:cNvCxnSpPr>
+            <a:stCxn id="31" idx="3"/>
+            <a:endCxn id="70" idx="0"/>
+          </p:cNvCxnSpPr>
+          <p:nvPr/>
+        </p:nvCxnSpPr>
+        <p:spPr>
+          <a:xfrm flipV="1">
+            <a:off x="6024783" y="4216858"/>
+            <a:ext cx="1551044" cy="1560101"/>
+          </a:xfrm>
+          <a:prstGeom prst="bentConnector4">
+            <a:avLst>
+              <a:gd name="adj1" fmla="val 28237"/>
+              <a:gd name="adj2" fmla="val 99390"/>
+            </a:avLst>
+          </a:prstGeom>
+          <a:ln w="28575">
+            <a:solidFill>
+              <a:schemeClr val="tx1"/>
+            </a:solidFill>
+            <a:tailEnd type="triangle"/>
+          </a:ln>
+        </p:spPr>
+        <p:style>
+          <a:lnRef idx="1">
+            <a:schemeClr val="accent1"/>
+          </a:lnRef>
+          <a:fillRef idx="0">
+            <a:schemeClr val="accent1"/>
+          </a:fillRef>
+          <a:effectRef idx="0">
+            <a:schemeClr val="accent1"/>
+          </a:effectRef>
+          <a:fontRef idx="minor">
+            <a:schemeClr val="tx1"/>
+          </a:fontRef>
+        </p:style>
+      </p:cxnSp>
+      <p:sp>
+        <p:nvSpPr>
+          <p:cNvPr id="109" name="Parallelogram 108"/>
+          <p:cNvSpPr/>
+          <p:nvPr/>
+        </p:nvSpPr>
+        <p:spPr>
+          <a:xfrm>
+            <a:off x="8717017" y="2661290"/>
+            <a:ext cx="1752600" cy="861501"/>
+          </a:xfrm>
+          <a:prstGeom prst="parallelogram">
+            <a:avLst/>
+          </a:prstGeom>
+          <a:noFill/>
+          <a:ln w="28575">
+            <a:solidFill>
+              <a:schemeClr val="tx1"/>
+            </a:solidFill>
+          </a:ln>
+        </p:spPr>
+        <p:style>
+          <a:lnRef idx="2">
+            <a:schemeClr val="accent1">
+              <a:shade val="50000"/>
+            </a:schemeClr>
+          </a:lnRef>
+          <a:fillRef idx="1">
+            <a:schemeClr val="accent1"/>
+          </a:fillRef>
+          <a:effectRef idx="0">
+            <a:schemeClr val="accent1"/>
+          </a:effectRef>
+          <a:fontRef idx="minor">
+            <a:schemeClr val="lt1"/>
+          </a:fontRef>
+        </p:style>
+        <p:txBody>
+          <a:bodyPr rtlCol="0" anchor="ctr"/>
+          <a:lstStyle/>
+          <a:p>
+            <a:pPr algn="ctr"/>
+            <a:endParaRPr lang="en-NZ"/>
+          </a:p>
+        </p:txBody>
+      </p:sp>
+      <p:sp>
+        <p:nvSpPr>
+          <p:cNvPr id="110" name="Parallelogram 109"/>
+          <p:cNvSpPr/>
+          <p:nvPr/>
+        </p:nvSpPr>
+        <p:spPr>
+          <a:xfrm>
+            <a:off x="8717017" y="4429198"/>
+            <a:ext cx="1752600" cy="861501"/>
+          </a:xfrm>
+          <a:prstGeom prst="parallelogram">
+            <a:avLst/>
+          </a:prstGeom>
+          <a:noFill/>
+          <a:ln w="28575">
+            <a:solidFill>
+              <a:schemeClr val="tx1"/>
+            </a:solidFill>
+          </a:ln>
+        </p:spPr>
+        <p:style>
+          <a:lnRef idx="2">
+            <a:schemeClr val="accent1">
+              <a:shade val="50000"/>
+            </a:schemeClr>
+          </a:lnRef>
+          <a:fillRef idx="1">
+            <a:schemeClr val="accent1"/>
+          </a:fillRef>
+          <a:effectRef idx="0">
+            <a:schemeClr val="accent1"/>
+          </a:effectRef>
+          <a:fontRef idx="minor">
+            <a:schemeClr val="lt1"/>
+          </a:fontRef>
+        </p:style>
+        <p:txBody>
+          <a:bodyPr rtlCol="0" anchor="ctr"/>
+          <a:lstStyle/>
+          <a:p>
+            <a:pPr algn="ctr"/>
+            <a:endParaRPr lang="en-NZ"/>
+          </a:p>
+        </p:txBody>
+      </p:sp>
+      <p:sp>
+        <p:nvSpPr>
+          <p:cNvPr id="111" name="Parallelogram 110"/>
+          <p:cNvSpPr/>
+          <p:nvPr/>
+        </p:nvSpPr>
+        <p:spPr>
+          <a:xfrm>
+            <a:off x="8717017" y="5766355"/>
+            <a:ext cx="1752600" cy="861501"/>
+          </a:xfrm>
+          <a:prstGeom prst="parallelogram">
+            <a:avLst/>
+          </a:prstGeom>
+          <a:noFill/>
+          <a:ln w="28575">
+            <a:solidFill>
+              <a:schemeClr val="tx1"/>
+            </a:solidFill>
+          </a:ln>
+        </p:spPr>
+        <p:style>
+          <a:lnRef idx="2">
+            <a:schemeClr val="accent1">
+              <a:shade val="50000"/>
+            </a:schemeClr>
+          </a:lnRef>
+          <a:fillRef idx="1">
+            <a:schemeClr val="accent1"/>
+          </a:fillRef>
+          <a:effectRef idx="0">
+            <a:schemeClr val="accent1"/>
+          </a:effectRef>
+          <a:fontRef idx="minor">
+            <a:schemeClr val="lt1"/>
+          </a:fontRef>
+        </p:style>
+        <p:txBody>
+          <a:bodyPr rtlCol="0" anchor="ctr"/>
+          <a:lstStyle/>
+          <a:p>
+            <a:pPr algn="ctr"/>
+            <a:endParaRPr lang="en-NZ"/>
+          </a:p>
+        </p:txBody>
+      </p:sp>
+      <p:cxnSp>
+        <p:nvCxnSpPr>
+          <p:cNvPr id="112" name="Straight Arrow Connector 111"/>
+          <p:cNvCxnSpPr/>
+          <p:nvPr/>
+        </p:nvCxnSpPr>
+        <p:spPr>
+          <a:xfrm>
+            <a:off x="8250945" y="3092040"/>
+            <a:ext cx="581115" cy="0"/>
+          </a:xfrm>
+          <a:prstGeom prst="straightConnector1">
+            <a:avLst/>
+          </a:prstGeom>
+          <a:ln w="28575">
+            <a:solidFill>
+              <a:schemeClr val="tx1"/>
+            </a:solidFill>
+            <a:tailEnd type="triangle"/>
+          </a:ln>
+        </p:spPr>
+        <p:style>
+          <a:lnRef idx="1">
+            <a:schemeClr val="accent1"/>
+          </a:lnRef>
+          <a:fillRef idx="0">
+            <a:schemeClr val="accent1"/>
+          </a:fillRef>
+          <a:effectRef idx="0">
+            <a:schemeClr val="accent1"/>
+          </a:effectRef>
+          <a:fontRef idx="minor">
+            <a:schemeClr val="tx1"/>
+          </a:fontRef>
+        </p:style>
+      </p:cxnSp>
+      <p:cxnSp>
+        <p:nvCxnSpPr>
+          <p:cNvPr id="113" name="Straight Arrow Connector 112"/>
+          <p:cNvCxnSpPr/>
+          <p:nvPr/>
+        </p:nvCxnSpPr>
+        <p:spPr>
+          <a:xfrm>
+            <a:off x="8250945" y="4884938"/>
+            <a:ext cx="581115" cy="0"/>
+          </a:xfrm>
+          <a:prstGeom prst="straightConnector1">
+            <a:avLst/>
+          </a:prstGeom>
+          <a:ln w="28575">
+            <a:solidFill>
+              <a:schemeClr val="tx1"/>
+            </a:solidFill>
+            <a:tailEnd type="triangle"/>
+          </a:ln>
+        </p:spPr>
+        <p:style>
+          <a:lnRef idx="1">
+            <a:schemeClr val="accent1"/>
+          </a:lnRef>
+          <a:fillRef idx="0">
+            <a:schemeClr val="accent1"/>
+          </a:fillRef>
+          <a:effectRef idx="0">
+            <a:schemeClr val="accent1"/>
+          </a:effectRef>
+          <a:fontRef idx="minor">
+            <a:schemeClr val="tx1"/>
+          </a:fontRef>
+        </p:style>
+      </p:cxnSp>
+      <p:cxnSp>
+        <p:nvCxnSpPr>
+          <p:cNvPr id="115" name="Elbow Connector 114"/>
+          <p:cNvCxnSpPr>
+            <a:stCxn id="70" idx="2"/>
+            <a:endCxn id="111" idx="5"/>
+          </p:cNvCxnSpPr>
+          <p:nvPr/>
+        </p:nvCxnSpPr>
+        <p:spPr>
+          <a:xfrm rot="16200000" flipH="1">
+            <a:off x="7885260" y="5257661"/>
+            <a:ext cx="630012" cy="1248878"/>
+          </a:xfrm>
+          <a:prstGeom prst="bentConnector2">
+            <a:avLst/>
+          </a:prstGeom>
+          <a:ln w="28575">
+            <a:solidFill>
+              <a:schemeClr val="tx1"/>
+            </a:solidFill>
+            <a:tailEnd type="triangle"/>
+          </a:ln>
+        </p:spPr>
+        <p:style>
+          <a:lnRef idx="1">
+            <a:schemeClr val="accent1"/>
+          </a:lnRef>
+          <a:fillRef idx="0">
+            <a:schemeClr val="accent1"/>
+          </a:fillRef>
+          <a:effectRef idx="0">
+            <a:schemeClr val="accent1"/>
+          </a:effectRef>
+          <a:fontRef idx="minor">
+            <a:schemeClr val="tx1"/>
+          </a:fontRef>
+        </p:style>
+      </p:cxnSp>
+      <p:cxnSp>
+        <p:nvCxnSpPr>
+          <p:cNvPr id="117" name="Elbow Connector 116"/>
+          <p:cNvCxnSpPr>
+            <a:stCxn id="109" idx="2"/>
+          </p:cNvCxnSpPr>
+          <p:nvPr/>
+        </p:nvCxnSpPr>
+        <p:spPr>
+          <a:xfrm flipH="1" flipV="1">
+            <a:off x="3282940" y="1501081"/>
+            <a:ext cx="7078989" cy="1590960"/>
+          </a:xfrm>
+          <a:prstGeom prst="bentConnector3">
+            <a:avLst>
+              <a:gd name="adj1" fmla="val -4751"/>
+            </a:avLst>
+          </a:prstGeom>
+          <a:ln w="28575">
+            <a:solidFill>
+              <a:schemeClr val="tx1"/>
+            </a:solidFill>
+            <a:tailEnd type="triangle"/>
+          </a:ln>
+        </p:spPr>
+        <p:style>
+          <a:lnRef idx="1">
+            <a:schemeClr val="accent1"/>
+          </a:lnRef>
+          <a:fillRef idx="0">
+            <a:schemeClr val="accent1"/>
+          </a:fillRef>
+          <a:effectRef idx="0">
+            <a:schemeClr val="accent1"/>
+          </a:effectRef>
+          <a:fontRef idx="minor">
+            <a:schemeClr val="tx1"/>
+          </a:fontRef>
+        </p:style>
+      </p:cxnSp>
+      <p:cxnSp>
+        <p:nvCxnSpPr>
+          <p:cNvPr id="119" name="Elbow Connector 118"/>
+          <p:cNvCxnSpPr>
+            <a:stCxn id="110" idx="2"/>
+          </p:cNvCxnSpPr>
+          <p:nvPr/>
+        </p:nvCxnSpPr>
+        <p:spPr>
+          <a:xfrm flipV="1">
+            <a:off x="10361929" y="3092040"/>
+            <a:ext cx="334646" cy="1767909"/>
+          </a:xfrm>
+          <a:prstGeom prst="bentConnector2">
+            <a:avLst/>
+          </a:prstGeom>
+          <a:ln w="28575">
+            <a:solidFill>
+              <a:schemeClr val="tx1"/>
+            </a:solidFill>
+            <a:tailEnd type="triangle"/>
+          </a:ln>
+        </p:spPr>
+        <p:style>
+          <a:lnRef idx="1">
+            <a:schemeClr val="accent1"/>
+          </a:lnRef>
+          <a:fillRef idx="0">
+            <a:schemeClr val="accent1"/>
+          </a:fillRef>
+          <a:effectRef idx="0">
+            <a:schemeClr val="accent1"/>
+          </a:effectRef>
+          <a:fontRef idx="minor">
+            <a:schemeClr val="tx1"/>
+          </a:fontRef>
+        </p:style>
+      </p:cxnSp>
+      <p:cxnSp>
+        <p:nvCxnSpPr>
+          <p:cNvPr id="121" name="Elbow Connector 120"/>
+          <p:cNvCxnSpPr>
+            <a:stCxn id="111" idx="2"/>
+          </p:cNvCxnSpPr>
+          <p:nvPr/>
+        </p:nvCxnSpPr>
+        <p:spPr>
+          <a:xfrm flipV="1">
+            <a:off x="10361929" y="4884938"/>
+            <a:ext cx="334646" cy="1312168"/>
+          </a:xfrm>
+          <a:prstGeom prst="bentConnector2">
+            <a:avLst/>
+          </a:prstGeom>
+          <a:ln w="28575">
+            <a:solidFill>
+              <a:schemeClr val="tx1"/>
+            </a:solidFill>
+            <a:tailEnd type="triangle"/>
+          </a:ln>
+        </p:spPr>
+        <p:style>
+          <a:lnRef idx="1">
+            <a:schemeClr val="accent1"/>
+          </a:lnRef>
+          <a:fillRef idx="0">
+            <a:schemeClr val="accent1"/>
+          </a:fillRef>
+          <a:effectRef idx="0">
+            <a:schemeClr val="accent1"/>
+          </a:effectRef>
+          <a:fontRef idx="minor">
+            <a:schemeClr val="tx1"/>
+          </a:fontRef>
+        </p:style>
+      </p:cxnSp>
+      <p:sp>
+        <p:nvSpPr>
+          <p:cNvPr id="122" name="Rectangle 121"/>
+          <p:cNvSpPr/>
+          <p:nvPr/>
+        </p:nvSpPr>
+        <p:spPr>
+          <a:xfrm>
+            <a:off x="8892182" y="2746721"/>
+            <a:ext cx="1396939" cy="646331"/>
+          </a:xfrm>
+          <a:prstGeom prst="rect">
+            <a:avLst/>
+          </a:prstGeom>
+        </p:spPr>
+        <p:txBody>
+          <a:bodyPr wrap="square">
+            <a:spAutoFit/>
+          </a:bodyPr>
+          <a:lstStyle/>
+          <a:p>
+            <a:pPr algn="ctr"/>
+            <a:r>
+              <a:rPr lang="en-NZ" dirty="0" err="1" smtClean="0"/>
+              <a:t>CruiseSpeed</a:t>
+            </a:r>
+            <a:r>
+              <a:rPr lang="en-NZ" dirty="0" smtClean="0"/>
+              <a:t> = </a:t>
+            </a:r>
+            <a:r>
+              <a:rPr lang="en-NZ" dirty="0" err="1" smtClean="0"/>
+              <a:t>SpeedMax</a:t>
+            </a:r>
+            <a:endParaRPr lang="en-NZ" dirty="0"/>
+          </a:p>
+        </p:txBody>
+      </p:sp>
+      <p:sp>
+        <p:nvSpPr>
+          <p:cNvPr id="123" name="Rectangle 122"/>
+          <p:cNvSpPr/>
+          <p:nvPr/>
+        </p:nvSpPr>
+        <p:spPr>
+          <a:xfrm>
+            <a:off x="8904868" y="4536784"/>
+            <a:ext cx="1396939" cy="646331"/>
+          </a:xfrm>
+          <a:prstGeom prst="rect">
+            <a:avLst/>
+          </a:prstGeom>
+        </p:spPr>
+        <p:txBody>
+          <a:bodyPr wrap="square">
+            <a:spAutoFit/>
+          </a:bodyPr>
+          <a:lstStyle/>
+          <a:p>
+            <a:pPr algn="ctr"/>
+            <a:r>
+              <a:rPr lang="en-NZ" dirty="0" err="1" smtClean="0"/>
+              <a:t>CruiseSpeed</a:t>
+            </a:r>
+            <a:r>
+              <a:rPr lang="en-NZ" dirty="0" smtClean="0"/>
+              <a:t> = </a:t>
+            </a:r>
+            <a:r>
+              <a:rPr lang="en-NZ" dirty="0" err="1" smtClean="0"/>
+              <a:t>SpeedMin</a:t>
+            </a:r>
+            <a:endParaRPr lang="en-NZ" dirty="0"/>
+          </a:p>
+        </p:txBody>
+      </p:sp>
+      <p:sp>
+        <p:nvSpPr>
+          <p:cNvPr id="124" name="Rectangle 123"/>
+          <p:cNvSpPr/>
+          <p:nvPr/>
+        </p:nvSpPr>
+        <p:spPr>
+          <a:xfrm>
+            <a:off x="8904867" y="5882099"/>
+            <a:ext cx="1396939" cy="646331"/>
+          </a:xfrm>
+          <a:prstGeom prst="rect">
+            <a:avLst/>
+          </a:prstGeom>
+        </p:spPr>
+        <p:txBody>
+          <a:bodyPr wrap="square">
+            <a:spAutoFit/>
+          </a:bodyPr>
+          <a:lstStyle/>
+          <a:p>
+            <a:pPr algn="ctr"/>
+            <a:r>
+              <a:rPr lang="en-NZ" dirty="0" err="1" smtClean="0"/>
+              <a:t>CruiseSpeed</a:t>
+            </a:r>
+            <a:r>
+              <a:rPr lang="en-NZ" dirty="0" smtClean="0"/>
+              <a:t> = temp</a:t>
+            </a:r>
+            <a:endParaRPr lang="en-NZ" dirty="0"/>
+          </a:p>
+        </p:txBody>
+      </p:sp>
+      <p:sp>
+        <p:nvSpPr>
+          <p:cNvPr id="126" name="TextBox 125"/>
+          <p:cNvSpPr txBox="1"/>
+          <p:nvPr/>
+        </p:nvSpPr>
+        <p:spPr>
+          <a:xfrm>
+            <a:off x="8329871" y="2770325"/>
+            <a:ext cx="301686" cy="369332"/>
+          </a:xfrm>
+          <a:prstGeom prst="rect">
+            <a:avLst/>
+          </a:prstGeom>
+          <a:noFill/>
+        </p:spPr>
+        <p:txBody>
+          <a:bodyPr wrap="none" rtlCol="0">
+            <a:spAutoFit/>
+          </a:bodyPr>
+          <a:lstStyle/>
+          <a:p>
+            <a:pPr algn="ctr"/>
+            <a:r>
+              <a:rPr lang="en-NZ" dirty="0" smtClean="0"/>
+              <a:t>1</a:t>
+            </a:r>
+            <a:endParaRPr lang="en-NZ" dirty="0"/>
+          </a:p>
+        </p:txBody>
+      </p:sp>
+      <p:sp>
+        <p:nvSpPr>
+          <p:cNvPr id="127" name="TextBox 126"/>
+          <p:cNvSpPr txBox="1"/>
+          <p:nvPr/>
+        </p:nvSpPr>
+        <p:spPr>
+          <a:xfrm>
+            <a:off x="8354112" y="4556096"/>
+            <a:ext cx="301686" cy="369332"/>
+          </a:xfrm>
+          <a:prstGeom prst="rect">
+            <a:avLst/>
+          </a:prstGeom>
+          <a:noFill/>
+        </p:spPr>
+        <p:txBody>
+          <a:bodyPr wrap="none" rtlCol="0">
+            <a:spAutoFit/>
+          </a:bodyPr>
+          <a:lstStyle/>
+          <a:p>
+            <a:pPr algn="ctr"/>
+            <a:r>
+              <a:rPr lang="en-NZ" dirty="0" smtClean="0"/>
+              <a:t>1</a:t>
+            </a:r>
+            <a:endParaRPr lang="en-NZ" dirty="0"/>
+          </a:p>
+        </p:txBody>
+      </p:sp>
+      <p:sp>
+        <p:nvSpPr>
+          <p:cNvPr id="128" name="TextBox 127"/>
+          <p:cNvSpPr txBox="1"/>
+          <p:nvPr/>
+        </p:nvSpPr>
+        <p:spPr>
+          <a:xfrm>
+            <a:off x="7553525" y="3792566"/>
+            <a:ext cx="301686" cy="369332"/>
+          </a:xfrm>
+          <a:prstGeom prst="rect">
+            <a:avLst/>
+          </a:prstGeom>
+          <a:noFill/>
+        </p:spPr>
+        <p:txBody>
+          <a:bodyPr wrap="none" rtlCol="0">
+            <a:spAutoFit/>
+          </a:bodyPr>
+          <a:lstStyle/>
+          <a:p>
+            <a:pPr algn="ctr"/>
+            <a:r>
+              <a:rPr lang="en-NZ" dirty="0"/>
+              <a:t>0</a:t>
+            </a:r>
+          </a:p>
+        </p:txBody>
+      </p:sp>
+      <p:sp>
+        <p:nvSpPr>
+          <p:cNvPr id="129" name="TextBox 128"/>
+          <p:cNvSpPr txBox="1"/>
+          <p:nvPr/>
+        </p:nvSpPr>
+        <p:spPr>
+          <a:xfrm>
+            <a:off x="7546336" y="5574417"/>
+            <a:ext cx="301686" cy="369332"/>
+          </a:xfrm>
+          <a:prstGeom prst="rect">
+            <a:avLst/>
+          </a:prstGeom>
+          <a:noFill/>
+        </p:spPr>
+        <p:txBody>
+          <a:bodyPr wrap="none" rtlCol="0">
+            <a:spAutoFit/>
+          </a:bodyPr>
+          <a:lstStyle/>
+          <a:p>
+            <a:pPr algn="ctr"/>
+            <a:r>
+              <a:rPr lang="en-NZ" dirty="0"/>
+              <a:t>0</a:t>
+            </a:r>
+          </a:p>
+        </p:txBody>
+      </p:sp>
+    </p:spTree>
+    <p:extLst>
+      <p:ext uri="{BB962C8B-B14F-4D97-AF65-F5344CB8AC3E}">
+        <p14:creationId xmlns:p14="http://schemas.microsoft.com/office/powerpoint/2010/main" val="3416959525"/>
+      </p:ext>
+    </p:extLst>
+  </p:cSld>
+  <p:clrMapOvr>
+    <a:masterClrMapping/>
+  </p:clrMapOvr>
+</p:sld>
+</file>
+
 <file path=ppt/theme/theme1.xml><?xml version="1.0" encoding="utf-8"?>
 <a:theme xmlns:a="http://schemas.openxmlformats.org/drawingml/2006/main" name="Office Theme">
   <a:themeElements>
